--- a/visal.pptx
+++ b/visal.pptx
@@ -5,7 +5,7 @@
     <p:sldMasterId id="2147483679" r:id="rId1"/>
   </p:sldMasterIdLst>
   <p:notesMasterIdLst>
-    <p:notesMasterId r:id="rId8"/>
+    <p:notesMasterId r:id="rId9"/>
   </p:notesMasterIdLst>
   <p:sldIdLst>
     <p:sldId id="256" r:id="rId2"/>
@@ -14,6 +14,7 @@
     <p:sldId id="259" r:id="rId5"/>
     <p:sldId id="260" r:id="rId6"/>
     <p:sldId id="261" r:id="rId7"/>
+    <p:sldId id="262" r:id="rId8"/>
   </p:sldIdLst>
   <p:sldSz cx="12192000" cy="6858000"/>
   <p:notesSz cx="6858000" cy="9144000"/>
@@ -112,6 +113,11 @@
       </a:defRPr>
     </a:lvl9pPr>
   </p:defaultTextStyle>
+  <p:extLst>
+    <p:ext uri="{EFAFB233-063F-42B5-8137-9DF3F51BA10A}">
+      <p15:sldGuideLst xmlns:p15="http://schemas.microsoft.com/office/powerpoint/2012/main"/>
+    </p:ext>
+  </p:extLst>
 </p:presentation>
 </file>
 
@@ -20713,6 +20719,102 @@
 </p:sld>
 </file>
 
+<file path=ppt/slides/slide7.xml><?xml version="1.0" encoding="utf-8"?>
+<p:sld xmlns:a="http://schemas.openxmlformats.org/drawingml/2006/main" xmlns:r="http://schemas.openxmlformats.org/officeDocument/2006/relationships" xmlns:p="http://schemas.openxmlformats.org/presentationml/2006/main">
+  <p:cSld>
+    <p:bg>
+      <p:bgPr>
+        <a:blipFill rotWithShape="1">
+          <a:blip r:embed="rId2">
+            <a:duotone>
+              <a:schemeClr val="bg1">
+                <a:shade val="80000"/>
+                <a:lumMod val="80000"/>
+              </a:schemeClr>
+              <a:schemeClr val="bg1">
+                <a:tint val="98000"/>
+              </a:schemeClr>
+            </a:duotone>
+          </a:blip>
+          <a:stretch/>
+        </a:blipFill>
+        <a:effectLst/>
+      </p:bgPr>
+    </p:bg>
+    <p:spTree>
+      <p:nvGrpSpPr>
+        <p:cNvPr id="1" name=""/>
+        <p:cNvGrpSpPr/>
+        <p:nvPr/>
+      </p:nvGrpSpPr>
+      <p:grpSpPr>
+        <a:xfrm>
+          <a:off x="0" y="0"/>
+          <a:ext cx="0" cy="0"/>
+          <a:chOff x="0" y="0"/>
+          <a:chExt cx="0" cy="0"/>
+        </a:xfrm>
+      </p:grpSpPr>
+      <p:pic>
+        <p:nvPicPr>
+          <p:cNvPr id="1026" name="Picture 2" descr="Hình ảnh cảm ơn đã lắng nghe cho PowerPoint">
+            <a:extLst>
+              <a:ext uri="{FF2B5EF4-FFF2-40B4-BE49-F238E27FC236}">
+                <a16:creationId xmlns:a16="http://schemas.microsoft.com/office/drawing/2014/main" id="{FAFB45CC-10EE-4932-89B0-B4A3982AFAF0}"/>
+              </a:ext>
+            </a:extLst>
+          </p:cNvPr>
+          <p:cNvPicPr>
+            <a:picLocks noGrp="1" noChangeAspect="1" noChangeArrowheads="1"/>
+          </p:cNvPicPr>
+          <p:nvPr>
+            <p:ph idx="1"/>
+          </p:nvPr>
+        </p:nvPicPr>
+        <p:blipFill rotWithShape="1">
+          <a:blip r:embed="rId3">
+            <a:extLst>
+              <a:ext uri="{28A0092B-C50C-407E-A947-70E740481C1C}">
+                <a14:useLocalDpi xmlns:a14="http://schemas.microsoft.com/office/drawing/2010/main" val="0"/>
+              </a:ext>
+            </a:extLst>
+          </a:blip>
+          <a:srcRect t="15051" b="9949"/>
+          <a:stretch/>
+        </p:blipFill>
+        <p:spPr bwMode="auto">
+          <a:xfrm>
+            <a:off x="20" y="10"/>
+            <a:ext cx="12191980" cy="6857990"/>
+          </a:xfrm>
+          <a:prstGeom prst="rect">
+            <a:avLst/>
+          </a:prstGeom>
+          <a:noFill/>
+          <a:extLst>
+            <a:ext uri="{909E8E84-426E-40DD-AFC4-6F175D3DCCD1}">
+              <a14:hiddenFill xmlns:a14="http://schemas.microsoft.com/office/drawing/2010/main">
+                <a:solidFill>
+                  <a:srgbClr val="FFFFFF"/>
+                </a:solidFill>
+              </a14:hiddenFill>
+            </a:ext>
+          </a:extLst>
+        </p:spPr>
+      </p:pic>
+    </p:spTree>
+    <p:extLst>
+      <p:ext uri="{BB962C8B-B14F-4D97-AF65-F5344CB8AC3E}">
+        <p14:creationId xmlns:p14="http://schemas.microsoft.com/office/powerpoint/2010/main" val="1232281990"/>
+      </p:ext>
+    </p:extLst>
+  </p:cSld>
+  <p:clrMapOvr>
+    <a:masterClrMapping/>
+  </p:clrMapOvr>
+</p:sld>
+</file>
+
 <file path=ppt/theme/theme1.xml><?xml version="1.0" encoding="utf-8"?>
 <a:theme xmlns:a="http://schemas.openxmlformats.org/drawingml/2006/main" name="SlateVTI">
   <a:themeElements>
